--- a/santander_comp_final.pptx
+++ b/santander_comp_final.pptx
@@ -5124,8 +5124,9 @@
             </a:pPr>
             <a:r>
               <a:rPr lang="en-US" dirty="0" smtClean="0"/>
-              <a:t>Threw a computer at the task of feature selection,</a:t>
-            </a:r>
+              <a:t>Tried asking the computer to select features for me,</a:t>
+            </a:r>
+            <a:endParaRPr lang="en-US" dirty="0" smtClean="0"/>
           </a:p>
           <a:p>
             <a:pPr>
@@ -5392,8 +5393,13 @@
             </a:r>
             <a:r>
               <a:rPr lang="en-US" dirty="0" smtClean="0"/>
-              <a:t>_ at the feature selection problem.</a:t>
-            </a:r>
+              <a:t>_ at the feature selection </a:t>
+            </a:r>
+            <a:r>
+              <a:rPr lang="en-US" dirty="0" smtClean="0"/>
+              <a:t>problem to see what stuck.</a:t>
+            </a:r>
+            <a:endParaRPr lang="en-US" dirty="0" smtClean="0"/>
           </a:p>
           <a:p>
             <a:pPr lvl="3">
